--- a/docs/diagrams/ListSequenceDiagram.pptx
+++ b/docs/diagrams/ListSequenceDiagram.pptx
@@ -208,7 +208,7 @@
           <a:p>
             <a:fld id="{F5CC4B3F-88C1-4FFA-B1B6-F41C21DC6924}" type="datetimeFigureOut">
               <a:rPr lang="en-US" smtClean="0"/>
-              <a:t>10/17/2018</a:t>
+              <a:t>17-Oct-18</a:t>
             </a:fld>
             <a:endParaRPr lang="en-US"/>
           </a:p>
@@ -738,7 +738,7 @@
           <a:p>
             <a:fld id="{78C97017-6FC3-485B-9764-EAC9E56C1D49}" type="datetimeFigureOut">
               <a:rPr lang="en-US" smtClean="0"/>
-              <a:t>10/17/2018</a:t>
+              <a:t>17-Oct-18</a:t>
             </a:fld>
             <a:endParaRPr lang="en-US"/>
           </a:p>
@@ -906,7 +906,7 @@
           <a:p>
             <a:fld id="{78C97017-6FC3-485B-9764-EAC9E56C1D49}" type="datetimeFigureOut">
               <a:rPr lang="en-US" smtClean="0"/>
-              <a:t>10/17/2018</a:t>
+              <a:t>17-Oct-18</a:t>
             </a:fld>
             <a:endParaRPr lang="en-US"/>
           </a:p>
@@ -1084,7 +1084,7 @@
           <a:p>
             <a:fld id="{78C97017-6FC3-485B-9764-EAC9E56C1D49}" type="datetimeFigureOut">
               <a:rPr lang="en-US" smtClean="0"/>
-              <a:t>10/17/2018</a:t>
+              <a:t>17-Oct-18</a:t>
             </a:fld>
             <a:endParaRPr lang="en-US"/>
           </a:p>
@@ -1252,7 +1252,7 @@
           <a:p>
             <a:fld id="{78C97017-6FC3-485B-9764-EAC9E56C1D49}" type="datetimeFigureOut">
               <a:rPr lang="en-US" smtClean="0"/>
-              <a:t>10/17/2018</a:t>
+              <a:t>17-Oct-18</a:t>
             </a:fld>
             <a:endParaRPr lang="en-US"/>
           </a:p>
@@ -1497,7 +1497,7 @@
           <a:p>
             <a:fld id="{78C97017-6FC3-485B-9764-EAC9E56C1D49}" type="datetimeFigureOut">
               <a:rPr lang="en-US" smtClean="0"/>
-              <a:t>10/17/2018</a:t>
+              <a:t>17-Oct-18</a:t>
             </a:fld>
             <a:endParaRPr lang="en-US"/>
           </a:p>
@@ -1782,7 +1782,7 @@
           <a:p>
             <a:fld id="{78C97017-6FC3-485B-9764-EAC9E56C1D49}" type="datetimeFigureOut">
               <a:rPr lang="en-US" smtClean="0"/>
-              <a:t>10/17/2018</a:t>
+              <a:t>17-Oct-18</a:t>
             </a:fld>
             <a:endParaRPr lang="en-US"/>
           </a:p>
@@ -2201,7 +2201,7 @@
           <a:p>
             <a:fld id="{78C97017-6FC3-485B-9764-EAC9E56C1D49}" type="datetimeFigureOut">
               <a:rPr lang="en-US" smtClean="0"/>
-              <a:t>10/17/2018</a:t>
+              <a:t>17-Oct-18</a:t>
             </a:fld>
             <a:endParaRPr lang="en-US"/>
           </a:p>
@@ -2318,7 +2318,7 @@
           <a:p>
             <a:fld id="{78C97017-6FC3-485B-9764-EAC9E56C1D49}" type="datetimeFigureOut">
               <a:rPr lang="en-US" smtClean="0"/>
-              <a:t>10/17/2018</a:t>
+              <a:t>17-Oct-18</a:t>
             </a:fld>
             <a:endParaRPr lang="en-US"/>
           </a:p>
@@ -2413,7 +2413,7 @@
           <a:p>
             <a:fld id="{78C97017-6FC3-485B-9764-EAC9E56C1D49}" type="datetimeFigureOut">
               <a:rPr lang="en-US" smtClean="0"/>
-              <a:t>10/17/2018</a:t>
+              <a:t>17-Oct-18</a:t>
             </a:fld>
             <a:endParaRPr lang="en-US"/>
           </a:p>
@@ -2688,7 +2688,7 @@
           <a:p>
             <a:fld id="{78C97017-6FC3-485B-9764-EAC9E56C1D49}" type="datetimeFigureOut">
               <a:rPr lang="en-US" smtClean="0"/>
-              <a:t>10/17/2018</a:t>
+              <a:t>17-Oct-18</a:t>
             </a:fld>
             <a:endParaRPr lang="en-US"/>
           </a:p>
@@ -2940,7 +2940,7 @@
           <a:p>
             <a:fld id="{78C97017-6FC3-485B-9764-EAC9E56C1D49}" type="datetimeFigureOut">
               <a:rPr lang="en-US" smtClean="0"/>
-              <a:t>10/17/2018</a:t>
+              <a:t>17-Oct-18</a:t>
             </a:fld>
             <a:endParaRPr lang="en-US"/>
           </a:p>
@@ -3151,7 +3151,7 @@
           <a:p>
             <a:fld id="{78C97017-6FC3-485B-9764-EAC9E56C1D49}" type="datetimeFigureOut">
               <a:rPr lang="en-US" smtClean="0"/>
-              <a:t>10/17/2018</a:t>
+              <a:t>17-Oct-18</a:t>
             </a:fld>
             <a:endParaRPr lang="en-US"/>
           </a:p>
@@ -5474,7 +5474,7 @@
                   <a:schemeClr val="bg1"/>
                 </a:solidFill>
               </a:rPr>
-              <a:t>l:DateIsWithin</a:t>
+              <a:t>p:DateIsWithin</a:t>
             </a:r>
           </a:p>
           <a:p>

--- a/docs/diagrams/ListSequenceDiagram.pptx
+++ b/docs/diagrams/ListSequenceDiagram.pptx
@@ -208,7 +208,7 @@
           <a:p>
             <a:fld id="{F5CC4B3F-88C1-4FFA-B1B6-F41C21DC6924}" type="datetimeFigureOut">
               <a:rPr lang="en-US" smtClean="0"/>
-              <a:t>17-Oct-18</a:t>
+              <a:t>11/11/2018</a:t>
             </a:fld>
             <a:endParaRPr lang="en-US"/>
           </a:p>
@@ -738,7 +738,7 @@
           <a:p>
             <a:fld id="{78C97017-6FC3-485B-9764-EAC9E56C1D49}" type="datetimeFigureOut">
               <a:rPr lang="en-US" smtClean="0"/>
-              <a:t>17-Oct-18</a:t>
+              <a:t>11/11/2018</a:t>
             </a:fld>
             <a:endParaRPr lang="en-US"/>
           </a:p>
@@ -906,7 +906,7 @@
           <a:p>
             <a:fld id="{78C97017-6FC3-485B-9764-EAC9E56C1D49}" type="datetimeFigureOut">
               <a:rPr lang="en-US" smtClean="0"/>
-              <a:t>17-Oct-18</a:t>
+              <a:t>11/11/2018</a:t>
             </a:fld>
             <a:endParaRPr lang="en-US"/>
           </a:p>
@@ -1084,7 +1084,7 @@
           <a:p>
             <a:fld id="{78C97017-6FC3-485B-9764-EAC9E56C1D49}" type="datetimeFigureOut">
               <a:rPr lang="en-US" smtClean="0"/>
-              <a:t>17-Oct-18</a:t>
+              <a:t>11/11/2018</a:t>
             </a:fld>
             <a:endParaRPr lang="en-US"/>
           </a:p>
@@ -1252,7 +1252,7 @@
           <a:p>
             <a:fld id="{78C97017-6FC3-485B-9764-EAC9E56C1D49}" type="datetimeFigureOut">
               <a:rPr lang="en-US" smtClean="0"/>
-              <a:t>17-Oct-18</a:t>
+              <a:t>11/11/2018</a:t>
             </a:fld>
             <a:endParaRPr lang="en-US"/>
           </a:p>
@@ -1497,7 +1497,7 @@
           <a:p>
             <a:fld id="{78C97017-6FC3-485B-9764-EAC9E56C1D49}" type="datetimeFigureOut">
               <a:rPr lang="en-US" smtClean="0"/>
-              <a:t>17-Oct-18</a:t>
+              <a:t>11/11/2018</a:t>
             </a:fld>
             <a:endParaRPr lang="en-US"/>
           </a:p>
@@ -1782,7 +1782,7 @@
           <a:p>
             <a:fld id="{78C97017-6FC3-485B-9764-EAC9E56C1D49}" type="datetimeFigureOut">
               <a:rPr lang="en-US" smtClean="0"/>
-              <a:t>17-Oct-18</a:t>
+              <a:t>11/11/2018</a:t>
             </a:fld>
             <a:endParaRPr lang="en-US"/>
           </a:p>
@@ -2201,7 +2201,7 @@
           <a:p>
             <a:fld id="{78C97017-6FC3-485B-9764-EAC9E56C1D49}" type="datetimeFigureOut">
               <a:rPr lang="en-US" smtClean="0"/>
-              <a:t>17-Oct-18</a:t>
+              <a:t>11/11/2018</a:t>
             </a:fld>
             <a:endParaRPr lang="en-US"/>
           </a:p>
@@ -2318,7 +2318,7 @@
           <a:p>
             <a:fld id="{78C97017-6FC3-485B-9764-EAC9E56C1D49}" type="datetimeFigureOut">
               <a:rPr lang="en-US" smtClean="0"/>
-              <a:t>17-Oct-18</a:t>
+              <a:t>11/11/2018</a:t>
             </a:fld>
             <a:endParaRPr lang="en-US"/>
           </a:p>
@@ -2413,7 +2413,7 @@
           <a:p>
             <a:fld id="{78C97017-6FC3-485B-9764-EAC9E56C1D49}" type="datetimeFigureOut">
               <a:rPr lang="en-US" smtClean="0"/>
-              <a:t>17-Oct-18</a:t>
+              <a:t>11/11/2018</a:t>
             </a:fld>
             <a:endParaRPr lang="en-US"/>
           </a:p>
@@ -2688,7 +2688,7 @@
           <a:p>
             <a:fld id="{78C97017-6FC3-485B-9764-EAC9E56C1D49}" type="datetimeFigureOut">
               <a:rPr lang="en-US" smtClean="0"/>
-              <a:t>17-Oct-18</a:t>
+              <a:t>11/11/2018</a:t>
             </a:fld>
             <a:endParaRPr lang="en-US"/>
           </a:p>
@@ -2940,7 +2940,7 @@
           <a:p>
             <a:fld id="{78C97017-6FC3-485B-9764-EAC9E56C1D49}" type="datetimeFigureOut">
               <a:rPr lang="en-US" smtClean="0"/>
-              <a:t>17-Oct-18</a:t>
+              <a:t>11/11/2018</a:t>
             </a:fld>
             <a:endParaRPr lang="en-US"/>
           </a:p>
@@ -3151,7 +3151,7 @@
           <a:p>
             <a:fld id="{78C97017-6FC3-485B-9764-EAC9E56C1D49}" type="datetimeFigureOut">
               <a:rPr lang="en-US" smtClean="0"/>
-              <a:t>17-Oct-18</a:t>
+              <a:t>11/11/2018</a:t>
             </a:fld>
             <a:endParaRPr lang="en-US"/>
           </a:p>
@@ -3648,7 +3648,7 @@
         </p:nvSpPr>
         <p:spPr>
           <a:xfrm>
-            <a:off x="6459374" y="118895"/>
+            <a:off x="6107603" y="58612"/>
             <a:ext cx="3903825" cy="4400926"/>
           </a:xfrm>
           <a:prstGeom prst="roundRect">
@@ -3862,7 +3862,7 @@
         </p:nvSpPr>
         <p:spPr>
           <a:xfrm>
-            <a:off x="1115568" y="431292"/>
+            <a:off x="1124017" y="195150"/>
             <a:ext cx="1379320" cy="438584"/>
           </a:xfrm>
           <a:prstGeom prst="rect">
@@ -3933,9 +3933,9 @@
           <p:nvPr/>
         </p:nvCxnSpPr>
         <p:spPr>
-          <a:xfrm flipH="1">
-            <a:off x="1800831" y="807611"/>
-            <a:ext cx="8197" cy="1554589"/>
+          <a:xfrm>
+            <a:off x="1800831" y="617320"/>
+            <a:ext cx="1" cy="1744880"/>
           </a:xfrm>
           <a:prstGeom prst="line">
             <a:avLst/>
@@ -4146,8 +4146,8 @@
         </p:nvSpPr>
         <p:spPr>
           <a:xfrm>
-            <a:off x="-2203460" y="890594"/>
-            <a:ext cx="1424846" cy="215444"/>
+            <a:off x="-2822423" y="1263912"/>
+            <a:ext cx="1939057" cy="215444"/>
           </a:xfrm>
           <a:prstGeom prst="rect">
             <a:avLst/>
@@ -4167,7 +4167,7 @@
                   <a:srgbClr val="0070C0"/>
                 </a:solidFill>
               </a:rPr>
-              <a:t>execute(“list”)</a:t>
+              <a:t>execute(“list d/1-1-2018”)</a:t>
             </a:r>
           </a:p>
         </p:txBody>
@@ -4476,8 +4476,8 @@
         </p:nvSpPr>
         <p:spPr>
           <a:xfrm>
-            <a:off x="-356371" y="1006144"/>
-            <a:ext cx="1899551" cy="215444"/>
+            <a:off x="-461807" y="771050"/>
+            <a:ext cx="1558774" cy="430887"/>
           </a:xfrm>
           <a:prstGeom prst="rect">
             <a:avLst/>
@@ -4507,7 +4507,7 @@
             </a:r>
             <a:r>
               <a:rPr lang="en-US" dirty="0"/>
-              <a:t>(“list”)</a:t>
+              <a:t>(“list d/1-1-2018”)</a:t>
             </a:r>
           </a:p>
         </p:txBody>
@@ -5802,6 +5802,56 @@
                 </a:solidFill>
               </a:rPr>
               <a:t>X</a:t>
+            </a:r>
+          </a:p>
+        </p:txBody>
+      </p:sp>
+      <p:sp>
+        <p:nvSpPr>
+          <p:cNvPr id="53" name="TextBox 52">
+            <a:extLst>
+              <a:ext uri="{FF2B5EF4-FFF2-40B4-BE49-F238E27FC236}">
+                <a16:creationId xmlns:a16="http://schemas.microsoft.com/office/drawing/2014/main" id="{22218144-8F7D-4547-96E6-9F08BF866CDA}"/>
+              </a:ext>
+            </a:extLst>
+          </p:cNvPr>
+          <p:cNvSpPr txBox="1"/>
+          <p:nvPr/>
+        </p:nvSpPr>
+        <p:spPr>
+          <a:xfrm>
+            <a:off x="1841890" y="872704"/>
+            <a:ext cx="922392" cy="507831"/>
+          </a:xfrm>
+          <a:prstGeom prst="rect">
+            <a:avLst/>
+          </a:prstGeom>
+          <a:noFill/>
+        </p:spPr>
+        <p:txBody>
+          <a:bodyPr wrap="square" lIns="0" tIns="0" rIns="0" bIns="0" rtlCol="0">
+            <a:spAutoFit/>
+          </a:bodyPr>
+          <a:lstStyle>
+            <a:defPPr>
+              <a:defRPr lang="en-US"/>
+            </a:defPPr>
+            <a:lvl1pPr algn="r">
+              <a:defRPr sz="1400">
+                <a:solidFill>
+                  <a:srgbClr val="0070C0"/>
+                </a:solidFill>
+              </a:defRPr>
+            </a:lvl1pPr>
+          </a:lstStyle>
+          <a:p>
+            <a:r>
+              <a:rPr lang="en-US" sz="1100" dirty="0" err="1"/>
+              <a:t>parseCommand</a:t>
+            </a:r>
+            <a:r>
+              <a:rPr lang="en-US" sz="1100" dirty="0"/>
+              <a:t>(“list d/1-1-2018”)</a:t>
             </a:r>
           </a:p>
         </p:txBody>

--- a/docs/diagrams/ListSequenceDiagram.pptx
+++ b/docs/diagrams/ListSequenceDiagram.pptx
@@ -208,7 +208,7 @@
           <a:p>
             <a:fld id="{F5CC4B3F-88C1-4FFA-B1B6-F41C21DC6924}" type="datetimeFigureOut">
               <a:rPr lang="en-US" smtClean="0"/>
-              <a:t>10/28/2018</a:t>
+              <a:t>11/12/2018</a:t>
             </a:fld>
             <a:endParaRPr lang="en-US"/>
           </a:p>
@@ -738,7 +738,7 @@
           <a:p>
             <a:fld id="{78C97017-6FC3-485B-9764-EAC9E56C1D49}" type="datetimeFigureOut">
               <a:rPr lang="en-US" smtClean="0"/>
-              <a:t>10/28/2018</a:t>
+              <a:t>11/12/2018</a:t>
             </a:fld>
             <a:endParaRPr lang="en-US"/>
           </a:p>
@@ -906,7 +906,7 @@
           <a:p>
             <a:fld id="{78C97017-6FC3-485B-9764-EAC9E56C1D49}" type="datetimeFigureOut">
               <a:rPr lang="en-US" smtClean="0"/>
-              <a:t>10/28/2018</a:t>
+              <a:t>11/12/2018</a:t>
             </a:fld>
             <a:endParaRPr lang="en-US"/>
           </a:p>
@@ -1084,7 +1084,7 @@
           <a:p>
             <a:fld id="{78C97017-6FC3-485B-9764-EAC9E56C1D49}" type="datetimeFigureOut">
               <a:rPr lang="en-US" smtClean="0"/>
-              <a:t>10/28/2018</a:t>
+              <a:t>11/12/2018</a:t>
             </a:fld>
             <a:endParaRPr lang="en-US"/>
           </a:p>
@@ -1252,7 +1252,7 @@
           <a:p>
             <a:fld id="{78C97017-6FC3-485B-9764-EAC9E56C1D49}" type="datetimeFigureOut">
               <a:rPr lang="en-US" smtClean="0"/>
-              <a:t>10/28/2018</a:t>
+              <a:t>11/12/2018</a:t>
             </a:fld>
             <a:endParaRPr lang="en-US"/>
           </a:p>
@@ -1497,7 +1497,7 @@
           <a:p>
             <a:fld id="{78C97017-6FC3-485B-9764-EAC9E56C1D49}" type="datetimeFigureOut">
               <a:rPr lang="en-US" smtClean="0"/>
-              <a:t>10/28/2018</a:t>
+              <a:t>11/12/2018</a:t>
             </a:fld>
             <a:endParaRPr lang="en-US"/>
           </a:p>
@@ -1782,7 +1782,7 @@
           <a:p>
             <a:fld id="{78C97017-6FC3-485B-9764-EAC9E56C1D49}" type="datetimeFigureOut">
               <a:rPr lang="en-US" smtClean="0"/>
-              <a:t>10/28/2018</a:t>
+              <a:t>11/12/2018</a:t>
             </a:fld>
             <a:endParaRPr lang="en-US"/>
           </a:p>
@@ -2201,7 +2201,7 @@
           <a:p>
             <a:fld id="{78C97017-6FC3-485B-9764-EAC9E56C1D49}" type="datetimeFigureOut">
               <a:rPr lang="en-US" smtClean="0"/>
-              <a:t>10/28/2018</a:t>
+              <a:t>11/12/2018</a:t>
             </a:fld>
             <a:endParaRPr lang="en-US"/>
           </a:p>
@@ -2318,7 +2318,7 @@
           <a:p>
             <a:fld id="{78C97017-6FC3-485B-9764-EAC9E56C1D49}" type="datetimeFigureOut">
               <a:rPr lang="en-US" smtClean="0"/>
-              <a:t>10/28/2018</a:t>
+              <a:t>11/12/2018</a:t>
             </a:fld>
             <a:endParaRPr lang="en-US"/>
           </a:p>
@@ -2413,7 +2413,7 @@
           <a:p>
             <a:fld id="{78C97017-6FC3-485B-9764-EAC9E56C1D49}" type="datetimeFigureOut">
               <a:rPr lang="en-US" smtClean="0"/>
-              <a:t>10/28/2018</a:t>
+              <a:t>11/12/2018</a:t>
             </a:fld>
             <a:endParaRPr lang="en-US"/>
           </a:p>
@@ -2688,7 +2688,7 @@
           <a:p>
             <a:fld id="{78C97017-6FC3-485B-9764-EAC9E56C1D49}" type="datetimeFigureOut">
               <a:rPr lang="en-US" smtClean="0"/>
-              <a:t>10/28/2018</a:t>
+              <a:t>11/12/2018</a:t>
             </a:fld>
             <a:endParaRPr lang="en-US"/>
           </a:p>
@@ -2940,7 +2940,7 @@
           <a:p>
             <a:fld id="{78C97017-6FC3-485B-9764-EAC9E56C1D49}" type="datetimeFigureOut">
               <a:rPr lang="en-US" smtClean="0"/>
-              <a:t>10/28/2018</a:t>
+              <a:t>11/12/2018</a:t>
             </a:fld>
             <a:endParaRPr lang="en-US"/>
           </a:p>
@@ -3151,7 +3151,7 @@
           <a:p>
             <a:fld id="{78C97017-6FC3-485B-9764-EAC9E56C1D49}" type="datetimeFigureOut">
               <a:rPr lang="en-US" smtClean="0"/>
-              <a:t>10/28/2018</a:t>
+              <a:t>11/12/2018</a:t>
             </a:fld>
             <a:endParaRPr lang="en-US"/>
           </a:p>
@@ -3858,7 +3858,23 @@
                   <a:schemeClr val="bg1"/>
                 </a:solidFill>
               </a:rPr>
-              <a:t>AddressBookParser</a:t>
+              <a:t>ProManage</a:t>
+            </a:r>
+            <a:endParaRPr lang="en-US" sz="1600" dirty="0">
+              <a:solidFill>
+                <a:schemeClr val="bg1"/>
+              </a:solidFill>
+            </a:endParaRPr>
+          </a:p>
+          <a:p>
+            <a:pPr algn="ctr"/>
+            <a:r>
+              <a:rPr lang="en-US" sz="1600" dirty="0">
+                <a:solidFill>
+                  <a:schemeClr val="bg1"/>
+                </a:solidFill>
+              </a:rPr>
+              <a:t>Parser</a:t>
             </a:r>
             <a:endParaRPr lang="en-SG" sz="1600" dirty="0">
               <a:solidFill>
